--- a/spring12/slidesS12/structural-induction.pptx
+++ b/spring12/slidesS12/structural-induction.pptx
@@ -943,6 +943,94 @@
       </p:grpSpPr>
       <p:sp>
         <p:nvSpPr>
+          <p:cNvPr id="74754" name="Rectangle 7"/>
+          <p:cNvSpPr>
+            <a:spLocks noGrp="1" noChangeArrowheads="1"/>
+          </p:cNvSpPr>
+          <p:nvPr>
+            <p:ph type="sldNum" sz="quarter" idx="5"/>
+          </p:nvPr>
+        </p:nvSpPr>
+        <p:spPr>
+          <a:noFill/>
+        </p:spPr>
+        <p:txBody>
+          <a:bodyPr/>
+          <a:lstStyle/>
+          <a:p>
+            <a:fld id="{5E279415-99E2-40EB-9BC9-715CD2E34BCC}" type="slidenum">
+              <a:rPr lang="en-US" smtClean="0"/>
+              <a:pPr/>
+              <a:t>10</a:t>
+            </a:fld>
+            <a:endParaRPr lang="en-US" smtClean="0"/>
+          </a:p>
+        </p:txBody>
+      </p:sp>
+      <p:sp>
+        <p:nvSpPr>
+          <p:cNvPr id="74755" name="Rectangle 2"/>
+          <p:cNvSpPr>
+            <a:spLocks noGrp="1" noRot="1" noChangeAspect="1" noChangeArrowheads="1" noTextEdit="1"/>
+          </p:cNvSpPr>
+          <p:nvPr>
+            <p:ph type="sldImg"/>
+          </p:nvPr>
+        </p:nvSpPr>
+        <p:spPr>
+          <a:ln/>
+        </p:spPr>
+      </p:sp>
+      <p:sp>
+        <p:nvSpPr>
+          <p:cNvPr id="74756" name="Rectangle 3"/>
+          <p:cNvSpPr>
+            <a:spLocks noGrp="1" noChangeArrowheads="1"/>
+          </p:cNvSpPr>
+          <p:nvPr>
+            <p:ph type="body" idx="1"/>
+          </p:nvPr>
+        </p:nvSpPr>
+        <p:spPr>
+          <a:noFill/>
+          <a:ln/>
+        </p:spPr>
+        <p:txBody>
+          <a:bodyPr/>
+          <a:lstStyle/>
+          <a:p>
+            <a:pPr eaLnBrk="1" hangingPunct="1"/>
+            <a:endParaRPr lang="en-US" smtClean="0"/>
+          </a:p>
+        </p:txBody>
+      </p:sp>
+    </p:spTree>
+  </p:cSld>
+  <p:clrMapOvr>
+    <a:masterClrMapping/>
+  </p:clrMapOvr>
+</p:notes>
+</file>
+
+<file path=ppt/notesSlides/notesSlide11.xml><?xml version="1.0" encoding="utf-8"?>
+<p:notes xmlns:a="http://schemas.openxmlformats.org/drawingml/2006/main" xmlns:r="http://schemas.openxmlformats.org/officeDocument/2006/relationships" xmlns:p="http://schemas.openxmlformats.org/presentationml/2006/main">
+  <p:cSld>
+    <p:spTree>
+      <p:nvGrpSpPr>
+        <p:cNvPr id="1" name=""/>
+        <p:cNvGrpSpPr/>
+        <p:nvPr/>
+      </p:nvGrpSpPr>
+      <p:grpSpPr>
+        <a:xfrm>
+          <a:off x="0" y="0"/>
+          <a:ext cx="0" cy="0"/>
+          <a:chOff x="0" y="0"/>
+          <a:chExt cx="0" cy="0"/>
+        </a:xfrm>
+      </p:grpSpPr>
+      <p:sp>
+        <p:nvSpPr>
           <p:cNvPr id="75778" name="Rectangle 7"/>
           <p:cNvSpPr>
             <a:spLocks noGrp="1" noChangeArrowheads="1"/>
@@ -1012,7 +1100,7 @@
 </p:notes>
 </file>
 
-<file path=ppt/notesSlides/notesSlide11.xml><?xml version="1.0" encoding="utf-8"?>
+<file path=ppt/notesSlides/notesSlide12.xml><?xml version="1.0" encoding="utf-8"?>
 <p:notes xmlns:a="http://schemas.openxmlformats.org/drawingml/2006/main" xmlns:r="http://schemas.openxmlformats.org/officeDocument/2006/relationships" xmlns:p="http://schemas.openxmlformats.org/presentationml/2006/main">
   <p:cSld>
     <p:spTree>
@@ -1100,7 +1188,7 @@
 </p:notes>
 </file>
 
-<file path=ppt/notesSlides/notesSlide12.xml><?xml version="1.0" encoding="utf-8"?>
+<file path=ppt/notesSlides/notesSlide13.xml><?xml version="1.0" encoding="utf-8"?>
 <p:notes xmlns:a="http://schemas.openxmlformats.org/drawingml/2006/main" xmlns:r="http://schemas.openxmlformats.org/officeDocument/2006/relationships" xmlns:p="http://schemas.openxmlformats.org/presentationml/2006/main">
   <p:cSld>
     <p:spTree>
@@ -1207,6 +1295,96 @@
       </p:grpSpPr>
       <p:sp>
         <p:nvSpPr>
+          <p:cNvPr id="2" name="Slide Image Placeholder 1"/>
+          <p:cNvSpPr>
+            <a:spLocks noGrp="1" noRot="1" noChangeAspect="1"/>
+          </p:cNvSpPr>
+          <p:nvPr>
+            <p:ph type="sldImg"/>
+          </p:nvPr>
+        </p:nvSpPr>
+        <p:spPr/>
+      </p:sp>
+      <p:sp>
+        <p:nvSpPr>
+          <p:cNvPr id="3" name="Notes Placeholder 2"/>
+          <p:cNvSpPr>
+            <a:spLocks noGrp="1"/>
+          </p:cNvSpPr>
+          <p:nvPr>
+            <p:ph type="body" idx="1"/>
+          </p:nvPr>
+        </p:nvSpPr>
+        <p:spPr/>
+        <p:txBody>
+          <a:bodyPr/>
+          <a:lstStyle/>
+          <a:p>
+            <a:endParaRPr lang="en-US"/>
+          </a:p>
+        </p:txBody>
+      </p:sp>
+      <p:sp>
+        <p:nvSpPr>
+          <p:cNvPr id="4" name="Slide Number Placeholder 3"/>
+          <p:cNvSpPr>
+            <a:spLocks noGrp="1"/>
+          </p:cNvSpPr>
+          <p:nvPr>
+            <p:ph type="sldNum" sz="quarter" idx="10"/>
+          </p:nvPr>
+        </p:nvSpPr>
+        <p:spPr/>
+        <p:txBody>
+          <a:bodyPr/>
+          <a:lstStyle/>
+          <a:p>
+            <a:pPr>
+              <a:defRPr/>
+            </a:pPr>
+            <a:fld id="{C9E94AB6-6CB8-4AAF-A1ED-7A62C60EB524}" type="slidenum">
+              <a:rPr lang="en-US" smtClean="0"/>
+              <a:pPr>
+                <a:defRPr/>
+              </a:pPr>
+              <a:t>2</a:t>
+            </a:fld>
+            <a:endParaRPr lang="en-US"/>
+          </a:p>
+        </p:txBody>
+      </p:sp>
+    </p:spTree>
+    <p:extLst>
+      <p:ext uri="{BB962C8B-B14F-4D97-AF65-F5344CB8AC3E}">
+        <p14:creationId xmlns:p14="http://schemas.microsoft.com/office/powerpoint/2010/main" val="704348742"/>
+      </p:ext>
+    </p:extLst>
+  </p:cSld>
+  <p:clrMapOvr>
+    <a:masterClrMapping/>
+  </p:clrMapOvr>
+</p:notes>
+</file>
+
+<file path=ppt/notesSlides/notesSlide3.xml><?xml version="1.0" encoding="utf-8"?>
+<p:notes xmlns:a="http://schemas.openxmlformats.org/drawingml/2006/main" xmlns:r="http://schemas.openxmlformats.org/officeDocument/2006/relationships" xmlns:p="http://schemas.openxmlformats.org/presentationml/2006/main">
+  <p:cSld>
+    <p:spTree>
+      <p:nvGrpSpPr>
+        <p:cNvPr id="1" name=""/>
+        <p:cNvGrpSpPr/>
+        <p:nvPr/>
+      </p:nvGrpSpPr>
+      <p:grpSpPr>
+        <a:xfrm>
+          <a:off x="0" y="0"/>
+          <a:ext cx="0" cy="0"/>
+          <a:chOff x="0" y="0"/>
+          <a:chExt cx="0" cy="0"/>
+        </a:xfrm>
+      </p:grpSpPr>
+      <p:sp>
+        <p:nvSpPr>
           <p:cNvPr id="66562" name="Rectangle 7"/>
           <p:cNvSpPr>
             <a:spLocks noGrp="1" noChangeArrowheads="1"/>
@@ -1276,7 +1454,7 @@
 </p:notes>
 </file>
 
-<file path=ppt/notesSlides/notesSlide3.xml><?xml version="1.0" encoding="utf-8"?>
+<file path=ppt/notesSlides/notesSlide4.xml><?xml version="1.0" encoding="utf-8"?>
 <p:notes xmlns:a="http://schemas.openxmlformats.org/drawingml/2006/main" xmlns:r="http://schemas.openxmlformats.org/officeDocument/2006/relationships" xmlns:p="http://schemas.openxmlformats.org/presentationml/2006/main">
   <p:cSld>
     <p:spTree>
@@ -1364,7 +1542,7 @@
 </p:notes>
 </file>
 
-<file path=ppt/notesSlides/notesSlide4.xml><?xml version="1.0" encoding="utf-8"?>
+<file path=ppt/notesSlides/notesSlide5.xml><?xml version="1.0" encoding="utf-8"?>
 <p:notes xmlns:a="http://schemas.openxmlformats.org/drawingml/2006/main" xmlns:r="http://schemas.openxmlformats.org/officeDocument/2006/relationships" xmlns:p="http://schemas.openxmlformats.org/presentationml/2006/main">
   <p:cSld>
     <p:spTree>
@@ -1452,7 +1630,7 @@
 </p:notes>
 </file>
 
-<file path=ppt/notesSlides/notesSlide5.xml><?xml version="1.0" encoding="utf-8"?>
+<file path=ppt/notesSlides/notesSlide6.xml><?xml version="1.0" encoding="utf-8"?>
 <p:notes xmlns:a="http://schemas.openxmlformats.org/drawingml/2006/main" xmlns:r="http://schemas.openxmlformats.org/officeDocument/2006/relationships" xmlns:p="http://schemas.openxmlformats.org/presentationml/2006/main">
   <p:cSld>
     <p:spTree>
@@ -1540,7 +1718,7 @@
 </p:notes>
 </file>
 
-<file path=ppt/notesSlides/notesSlide6.xml><?xml version="1.0" encoding="utf-8"?>
+<file path=ppt/notesSlides/notesSlide7.xml><?xml version="1.0" encoding="utf-8"?>
 <p:notes xmlns:a="http://schemas.openxmlformats.org/drawingml/2006/main" xmlns:r="http://schemas.openxmlformats.org/officeDocument/2006/relationships" xmlns:p="http://schemas.openxmlformats.org/presentationml/2006/main">
   <p:cSld>
     <p:spTree>
@@ -1628,7 +1806,7 @@
 </p:notes>
 </file>
 
-<file path=ppt/notesSlides/notesSlide7.xml><?xml version="1.0" encoding="utf-8"?>
+<file path=ppt/notesSlides/notesSlide8.xml><?xml version="1.0" encoding="utf-8"?>
 <p:notes xmlns:a="http://schemas.openxmlformats.org/drawingml/2006/main" xmlns:r="http://schemas.openxmlformats.org/officeDocument/2006/relationships" xmlns:p="http://schemas.openxmlformats.org/presentationml/2006/main">
   <p:cSld>
     <p:spTree>
@@ -1716,7 +1894,7 @@
 </p:notes>
 </file>
 
-<file path=ppt/notesSlides/notesSlide8.xml><?xml version="1.0" encoding="utf-8"?>
+<file path=ppt/notesSlides/notesSlide9.xml><?xml version="1.0" encoding="utf-8"?>
 <p:notes xmlns:a="http://schemas.openxmlformats.org/drawingml/2006/main" xmlns:r="http://schemas.openxmlformats.org/officeDocument/2006/relationships" xmlns:p="http://schemas.openxmlformats.org/presentationml/2006/main">
   <p:cSld>
     <p:spTree>
@@ -1776,94 +1954,6 @@
       <p:sp>
         <p:nvSpPr>
           <p:cNvPr id="73732" name="Rectangle 3"/>
-          <p:cNvSpPr>
-            <a:spLocks noGrp="1" noChangeArrowheads="1"/>
-          </p:cNvSpPr>
-          <p:nvPr>
-            <p:ph type="body" idx="1"/>
-          </p:nvPr>
-        </p:nvSpPr>
-        <p:spPr>
-          <a:noFill/>
-          <a:ln/>
-        </p:spPr>
-        <p:txBody>
-          <a:bodyPr/>
-          <a:lstStyle/>
-          <a:p>
-            <a:pPr eaLnBrk="1" hangingPunct="1"/>
-            <a:endParaRPr lang="en-US" smtClean="0"/>
-          </a:p>
-        </p:txBody>
-      </p:sp>
-    </p:spTree>
-  </p:cSld>
-  <p:clrMapOvr>
-    <a:masterClrMapping/>
-  </p:clrMapOvr>
-</p:notes>
-</file>
-
-<file path=ppt/notesSlides/notesSlide9.xml><?xml version="1.0" encoding="utf-8"?>
-<p:notes xmlns:a="http://schemas.openxmlformats.org/drawingml/2006/main" xmlns:r="http://schemas.openxmlformats.org/officeDocument/2006/relationships" xmlns:p="http://schemas.openxmlformats.org/presentationml/2006/main">
-  <p:cSld>
-    <p:spTree>
-      <p:nvGrpSpPr>
-        <p:cNvPr id="1" name=""/>
-        <p:cNvGrpSpPr/>
-        <p:nvPr/>
-      </p:nvGrpSpPr>
-      <p:grpSpPr>
-        <a:xfrm>
-          <a:off x="0" y="0"/>
-          <a:ext cx="0" cy="0"/>
-          <a:chOff x="0" y="0"/>
-          <a:chExt cx="0" cy="0"/>
-        </a:xfrm>
-      </p:grpSpPr>
-      <p:sp>
-        <p:nvSpPr>
-          <p:cNvPr id="74754" name="Rectangle 7"/>
-          <p:cNvSpPr>
-            <a:spLocks noGrp="1" noChangeArrowheads="1"/>
-          </p:cNvSpPr>
-          <p:nvPr>
-            <p:ph type="sldNum" sz="quarter" idx="5"/>
-          </p:nvPr>
-        </p:nvSpPr>
-        <p:spPr>
-          <a:noFill/>
-        </p:spPr>
-        <p:txBody>
-          <a:bodyPr/>
-          <a:lstStyle/>
-          <a:p>
-            <a:fld id="{5E279415-99E2-40EB-9BC9-715CD2E34BCC}" type="slidenum">
-              <a:rPr lang="en-US" smtClean="0"/>
-              <a:pPr/>
-              <a:t>10</a:t>
-            </a:fld>
-            <a:endParaRPr lang="en-US" smtClean="0"/>
-          </a:p>
-        </p:txBody>
-      </p:sp>
-      <p:sp>
-        <p:nvSpPr>
-          <p:cNvPr id="74755" name="Rectangle 2"/>
-          <p:cNvSpPr>
-            <a:spLocks noGrp="1" noRot="1" noChangeAspect="1" noChangeArrowheads="1" noTextEdit="1"/>
-          </p:cNvSpPr>
-          <p:nvPr>
-            <p:ph type="sldImg"/>
-          </p:nvPr>
-        </p:nvSpPr>
-        <p:spPr>
-          <a:ln/>
-        </p:spPr>
-      </p:sp>
-      <p:sp>
-        <p:nvSpPr>
-          <p:cNvPr id="74756" name="Rectangle 3"/>
           <p:cNvSpPr>
             <a:spLocks noGrp="1" noChangeArrowheads="1"/>
           </p:cNvSpPr>
@@ -4070,7 +4160,7 @@
           <a:graphicData uri="http://schemas.openxmlformats.org/presentationml/2006/ole">
             <mc:AlternateContent xmlns:mc="http://schemas.openxmlformats.org/markup-compatibility/2006">
               <mc:Choice xmlns:v="urn:schemas-microsoft-com:vml" Requires="v">
-                <p:oleObj spid="_x0000_s2100" name="Equation" r:id="rId4" imgW="114120" imgH="177480" progId="Equation.DSMT4">
+                <p:oleObj spid="_x0000_s2103" name="Equation" r:id="rId4" imgW="114120" imgH="177480" progId="Equation.DSMT4">
                   <p:embed/>
                 </p:oleObj>
               </mc:Choice>
@@ -4142,7 +4232,7 @@
           <a:graphicData uri="http://schemas.openxmlformats.org/presentationml/2006/ole">
             <mc:AlternateContent xmlns:mc="http://schemas.openxmlformats.org/markup-compatibility/2006">
               <mc:Choice xmlns:v="urn:schemas-microsoft-com:vml" Requires="v">
-                <p:oleObj spid="_x0000_s2101" name="Equation" r:id="rId6" imgW="253800" imgH="228600" progId="Equation.DSMT4">
+                <p:oleObj spid="_x0000_s2104" name="Equation" r:id="rId6" imgW="253800" imgH="228600" progId="Equation.DSMT4">
                   <p:embed/>
                 </p:oleObj>
               </mc:Choice>
@@ -4940,7 +5030,7 @@
           <a:graphicData uri="http://schemas.openxmlformats.org/presentationml/2006/ole">
             <mc:AlternateContent xmlns:mc="http://schemas.openxmlformats.org/markup-compatibility/2006">
               <mc:Choice xmlns:v="urn:schemas-microsoft-com:vml" Requires="v">
-                <p:oleObj spid="_x0000_s3102" name="Equation" r:id="rId4" imgW="114120" imgH="177480" progId="Equation.DSMT4">
+                <p:oleObj spid="_x0000_s3104" name="Equation" r:id="rId4" imgW="114120" imgH="177480" progId="Equation.DSMT4">
                   <p:embed/>
                 </p:oleObj>
               </mc:Choice>
@@ -5739,7 +5829,7 @@
           <a:graphicData uri="http://schemas.openxmlformats.org/presentationml/2006/ole">
             <mc:AlternateContent xmlns:mc="http://schemas.openxmlformats.org/markup-compatibility/2006">
               <mc:Choice xmlns:v="urn:schemas-microsoft-com:vml" Requires="v">
-                <p:oleObj spid="_x0000_s4126" name="Equation" r:id="rId4" imgW="114120" imgH="177480" progId="Equation.DSMT4">
+                <p:oleObj spid="_x0000_s4128" name="Equation" r:id="rId4" imgW="114120" imgH="177480" progId="Equation.DSMT4">
                   <p:embed/>
                 </p:oleObj>
               </mc:Choice>
@@ -6639,7 +6729,7 @@
           <a:graphicData uri="http://schemas.openxmlformats.org/presentationml/2006/ole">
             <mc:AlternateContent xmlns:mc="http://schemas.openxmlformats.org/markup-compatibility/2006">
               <mc:Choice xmlns:v="urn:schemas-microsoft-com:vml" Requires="v">
-                <p:oleObj spid="_x0000_s5150" name="Equation" r:id="rId4" imgW="114120" imgH="177480" progId="Equation.DSMT4">
+                <p:oleObj spid="_x0000_s5152" name="Equation" r:id="rId4" imgW="114120" imgH="177480" progId="Equation.DSMT4">
                   <p:embed/>
                 </p:oleObj>
               </mc:Choice>
@@ -12891,7 +12981,7 @@
           <a:graphicData uri="http://schemas.openxmlformats.org/presentationml/2006/ole">
             <mc:AlternateContent xmlns:mc="http://schemas.openxmlformats.org/markup-compatibility/2006">
               <mc:Choice xmlns:v="urn:schemas-microsoft-com:vml" Requires="v">
-                <p:oleObj spid="_x0000_s63558" name="Equation" r:id="rId4" imgW="1092200" imgH="215900" progId="Equation.DSMT4">
+                <p:oleObj spid="_x0000_s63562" name="Equation" r:id="rId4" imgW="1092200" imgH="215900" progId="Equation.DSMT4">
                   <p:embed/>
                 </p:oleObj>
               </mc:Choice>
@@ -12961,7 +13051,7 @@
           <a:graphicData uri="http://schemas.openxmlformats.org/presentationml/2006/ole">
             <mc:AlternateContent xmlns:mc="http://schemas.openxmlformats.org/markup-compatibility/2006">
               <mc:Choice xmlns:v="urn:schemas-microsoft-com:vml" Requires="v">
-                <p:oleObj spid="_x0000_s63559" name="Equation" r:id="rId6" imgW="139700" imgH="228600" progId="Equation.DSMT4">
+                <p:oleObj spid="_x0000_s63563" name="Equation" r:id="rId6" imgW="139700" imgH="228600" progId="Equation.DSMT4">
                   <p:embed/>
                 </p:oleObj>
               </mc:Choice>
@@ -13031,7 +13121,7 @@
           <a:graphicData uri="http://schemas.openxmlformats.org/presentationml/2006/ole">
             <mc:AlternateContent xmlns:mc="http://schemas.openxmlformats.org/markup-compatibility/2006">
               <mc:Choice xmlns:v="urn:schemas-microsoft-com:vml" Requires="v">
-                <p:oleObj spid="_x0000_s63560" name="Equation" r:id="rId8" imgW="939800" imgH="228600" progId="Equation.DSMT4">
+                <p:oleObj spid="_x0000_s63564" name="Equation" r:id="rId8" imgW="939800" imgH="228600" progId="Equation.DSMT4">
                   <p:embed/>
                 </p:oleObj>
               </mc:Choice>
